--- a/Resources/Theme/v1/SongSelect/Category/Default/ItemBackground.pptx
+++ b/Resources/Theme/v1/SongSelect/Category/Default/ItemBackground.pptx
@@ -6,6 +6,7 @@
   </p:sldMasterIdLst>
   <p:sldIdLst>
     <p:sldId id="256" r:id="rId2"/>
+    <p:sldId id="257" r:id="rId3"/>
   </p:sldIdLst>
   <p:sldSz cx="12192000" cy="6858000"/>
   <p:notesSz cx="6858000" cy="9144000"/>
@@ -104,6 +105,11 @@
       </a:defRPr>
     </a:lvl9pPr>
   </p:defaultTextStyle>
+  <p:extLst>
+    <p:ext uri="{EFAFB233-063F-42B5-8137-9DF3F51BA10A}">
+      <p15:sldGuideLst xmlns:p15="http://schemas.microsoft.com/office/powerpoint/2012/main"/>
+    </p:ext>
+  </p:extLst>
 </p:presentation>
 </file>
 
@@ -238,7 +244,7 @@
           <a:p>
             <a:fld id="{A35CB9DB-6AA8-467F-8EF0-6B06EF2081A1}" type="datetimeFigureOut">
               <a:rPr kumimoji="1" lang="ja-JP" altLang="en-US" smtClean="0"/>
-              <a:t>2020/8/29</a:t>
+              <a:t>2020/9/5</a:t>
             </a:fld>
             <a:endParaRPr kumimoji="1" lang="ja-JP" altLang="en-US"/>
           </a:p>
@@ -440,7 +446,7 @@
           <a:p>
             <a:fld id="{A35CB9DB-6AA8-467F-8EF0-6B06EF2081A1}" type="datetimeFigureOut">
               <a:rPr kumimoji="1" lang="ja-JP" altLang="en-US" smtClean="0"/>
-              <a:t>2020/8/29</a:t>
+              <a:t>2020/9/5</a:t>
             </a:fld>
             <a:endParaRPr kumimoji="1" lang="ja-JP" altLang="en-US"/>
           </a:p>
@@ -652,7 +658,7 @@
           <a:p>
             <a:fld id="{A35CB9DB-6AA8-467F-8EF0-6B06EF2081A1}" type="datetimeFigureOut">
               <a:rPr kumimoji="1" lang="ja-JP" altLang="en-US" smtClean="0"/>
-              <a:t>2020/8/29</a:t>
+              <a:t>2020/9/5</a:t>
             </a:fld>
             <a:endParaRPr kumimoji="1" lang="ja-JP" altLang="en-US"/>
           </a:p>
@@ -854,7 +860,7 @@
           <a:p>
             <a:fld id="{A35CB9DB-6AA8-467F-8EF0-6B06EF2081A1}" type="datetimeFigureOut">
               <a:rPr kumimoji="1" lang="ja-JP" altLang="en-US" smtClean="0"/>
-              <a:t>2020/8/29</a:t>
+              <a:t>2020/9/5</a:t>
             </a:fld>
             <a:endParaRPr kumimoji="1" lang="ja-JP" altLang="en-US"/>
           </a:p>
@@ -1100,7 +1106,7 @@
           <a:p>
             <a:fld id="{A35CB9DB-6AA8-467F-8EF0-6B06EF2081A1}" type="datetimeFigureOut">
               <a:rPr kumimoji="1" lang="ja-JP" altLang="en-US" smtClean="0"/>
-              <a:t>2020/8/29</a:t>
+              <a:t>2020/9/5</a:t>
             </a:fld>
             <a:endParaRPr kumimoji="1" lang="ja-JP" altLang="en-US"/>
           </a:p>
@@ -1396,7 +1402,7 @@
           <a:p>
             <a:fld id="{A35CB9DB-6AA8-467F-8EF0-6B06EF2081A1}" type="datetimeFigureOut">
               <a:rPr kumimoji="1" lang="ja-JP" altLang="en-US" smtClean="0"/>
-              <a:t>2020/8/29</a:t>
+              <a:t>2020/9/5</a:t>
             </a:fld>
             <a:endParaRPr kumimoji="1" lang="ja-JP" altLang="en-US"/>
           </a:p>
@@ -1827,7 +1833,7 @@
           <a:p>
             <a:fld id="{A35CB9DB-6AA8-467F-8EF0-6B06EF2081A1}" type="datetimeFigureOut">
               <a:rPr kumimoji="1" lang="ja-JP" altLang="en-US" smtClean="0"/>
-              <a:t>2020/8/29</a:t>
+              <a:t>2020/9/5</a:t>
             </a:fld>
             <a:endParaRPr kumimoji="1" lang="ja-JP" altLang="en-US"/>
           </a:p>
@@ -1945,7 +1951,7 @@
           <a:p>
             <a:fld id="{A35CB9DB-6AA8-467F-8EF0-6B06EF2081A1}" type="datetimeFigureOut">
               <a:rPr kumimoji="1" lang="ja-JP" altLang="en-US" smtClean="0"/>
-              <a:t>2020/8/29</a:t>
+              <a:t>2020/9/5</a:t>
             </a:fld>
             <a:endParaRPr kumimoji="1" lang="ja-JP" altLang="en-US"/>
           </a:p>
@@ -2040,7 +2046,7 @@
           <a:p>
             <a:fld id="{A35CB9DB-6AA8-467F-8EF0-6B06EF2081A1}" type="datetimeFigureOut">
               <a:rPr kumimoji="1" lang="ja-JP" altLang="en-US" smtClean="0"/>
-              <a:t>2020/8/29</a:t>
+              <a:t>2020/9/5</a:t>
             </a:fld>
             <a:endParaRPr kumimoji="1" lang="ja-JP" altLang="en-US"/>
           </a:p>
@@ -2349,7 +2355,7 @@
           <a:p>
             <a:fld id="{A35CB9DB-6AA8-467F-8EF0-6B06EF2081A1}" type="datetimeFigureOut">
               <a:rPr kumimoji="1" lang="ja-JP" altLang="en-US" smtClean="0"/>
-              <a:t>2020/8/29</a:t>
+              <a:t>2020/9/5</a:t>
             </a:fld>
             <a:endParaRPr kumimoji="1" lang="ja-JP" altLang="en-US"/>
           </a:p>
@@ -2602,7 +2608,7 @@
           <a:p>
             <a:fld id="{A35CB9DB-6AA8-467F-8EF0-6B06EF2081A1}" type="datetimeFigureOut">
               <a:rPr kumimoji="1" lang="ja-JP" altLang="en-US" smtClean="0"/>
-              <a:t>2020/8/29</a:t>
+              <a:t>2020/9/5</a:t>
             </a:fld>
             <a:endParaRPr kumimoji="1" lang="ja-JP" altLang="en-US"/>
           </a:p>
@@ -2847,7 +2853,7 @@
           <a:p>
             <a:fld id="{A35CB9DB-6AA8-467F-8EF0-6B06EF2081A1}" type="datetimeFigureOut">
               <a:rPr kumimoji="1" lang="ja-JP" altLang="en-US" smtClean="0"/>
-              <a:t>2020/8/29</a:t>
+              <a:t>2020/9/5</a:t>
             </a:fld>
             <a:endParaRPr kumimoji="1" lang="ja-JP" altLang="en-US"/>
           </a:p>
@@ -3410,10 +3416,299 @@
           </a:p>
         </p:txBody>
       </p:sp>
+      <p:sp>
+        <p:nvSpPr>
+          <p:cNvPr id="7" name="八角形 6"/>
+          <p:cNvSpPr/>
+          <p:nvPr/>
+        </p:nvSpPr>
+        <p:spPr>
+          <a:xfrm>
+            <a:off x="598696" y="463164"/>
+            <a:ext cx="7089732" cy="714183"/>
+          </a:xfrm>
+          <a:prstGeom prst="octagon">
+            <a:avLst>
+              <a:gd name="adj" fmla="val 13472"/>
+            </a:avLst>
+          </a:prstGeom>
+          <a:solidFill>
+            <a:srgbClr val="FFFFFF">
+              <a:alpha val="69804"/>
+            </a:srgbClr>
+          </a:solidFill>
+          <a:ln w="76200">
+            <a:noFill/>
+          </a:ln>
+        </p:spPr>
+        <p:style>
+          <a:lnRef idx="2">
+            <a:schemeClr val="accent1">
+              <a:shade val="50000"/>
+            </a:schemeClr>
+          </a:lnRef>
+          <a:fillRef idx="1">
+            <a:schemeClr val="accent1"/>
+          </a:fillRef>
+          <a:effectRef idx="0">
+            <a:schemeClr val="accent1"/>
+          </a:effectRef>
+          <a:fontRef idx="minor">
+            <a:schemeClr val="lt1"/>
+          </a:fontRef>
+        </p:style>
+        <p:txBody>
+          <a:bodyPr rtlCol="0" anchor="ctr"/>
+          <a:lstStyle/>
+          <a:p>
+            <a:pPr algn="ctr"/>
+            <a:endParaRPr kumimoji="1" lang="ja-JP" altLang="en-US"/>
+          </a:p>
+        </p:txBody>
+      </p:sp>
+      <p:sp>
+        <p:nvSpPr>
+          <p:cNvPr id="8" name="八角形 7"/>
+          <p:cNvSpPr/>
+          <p:nvPr/>
+        </p:nvSpPr>
+        <p:spPr>
+          <a:xfrm>
+            <a:off x="340190" y="4287878"/>
+            <a:ext cx="7606743" cy="989557"/>
+          </a:xfrm>
+          <a:prstGeom prst="octagon">
+            <a:avLst>
+              <a:gd name="adj" fmla="val 19162"/>
+            </a:avLst>
+          </a:prstGeom>
+          <a:solidFill>
+            <a:srgbClr val="00C0D2"/>
+          </a:solidFill>
+          <a:ln w="76200">
+            <a:solidFill>
+              <a:srgbClr val="005960"/>
+            </a:solidFill>
+          </a:ln>
+        </p:spPr>
+        <p:style>
+          <a:lnRef idx="2">
+            <a:schemeClr val="accent1">
+              <a:shade val="50000"/>
+            </a:schemeClr>
+          </a:lnRef>
+          <a:fillRef idx="1">
+            <a:schemeClr val="accent1"/>
+          </a:fillRef>
+          <a:effectRef idx="0">
+            <a:schemeClr val="accent1"/>
+          </a:effectRef>
+          <a:fontRef idx="minor">
+            <a:schemeClr val="lt1"/>
+          </a:fontRef>
+        </p:style>
+        <p:txBody>
+          <a:bodyPr rtlCol="0" anchor="ctr"/>
+          <a:lstStyle/>
+          <a:p>
+            <a:pPr algn="ctr"/>
+            <a:endParaRPr kumimoji="1" lang="ja-JP" altLang="en-US"/>
+          </a:p>
+        </p:txBody>
+      </p:sp>
+      <p:sp>
+        <p:nvSpPr>
+          <p:cNvPr id="9" name="八角形 8"/>
+          <p:cNvSpPr/>
+          <p:nvPr/>
+        </p:nvSpPr>
+        <p:spPr>
+          <a:xfrm>
+            <a:off x="340189" y="5608678"/>
+            <a:ext cx="7606743" cy="989557"/>
+          </a:xfrm>
+          <a:prstGeom prst="octagon">
+            <a:avLst>
+              <a:gd name="adj" fmla="val 19162"/>
+            </a:avLst>
+          </a:prstGeom>
+          <a:solidFill>
+            <a:schemeClr val="tx2">
+              <a:lumMod val="75000"/>
+            </a:schemeClr>
+          </a:solidFill>
+          <a:ln w="76200">
+            <a:solidFill>
+              <a:schemeClr val="tx2">
+                <a:lumMod val="50000"/>
+              </a:schemeClr>
+            </a:solidFill>
+          </a:ln>
+        </p:spPr>
+        <p:style>
+          <a:lnRef idx="2">
+            <a:schemeClr val="accent1">
+              <a:shade val="50000"/>
+            </a:schemeClr>
+          </a:lnRef>
+          <a:fillRef idx="1">
+            <a:schemeClr val="accent1"/>
+          </a:fillRef>
+          <a:effectRef idx="0">
+            <a:schemeClr val="accent1"/>
+          </a:effectRef>
+          <a:fontRef idx="minor">
+            <a:schemeClr val="lt1"/>
+          </a:fontRef>
+        </p:style>
+        <p:txBody>
+          <a:bodyPr rtlCol="0" anchor="ctr"/>
+          <a:lstStyle/>
+          <a:p>
+            <a:pPr algn="ctr"/>
+            <a:endParaRPr kumimoji="1" lang="ja-JP" altLang="en-US"/>
+          </a:p>
+        </p:txBody>
+      </p:sp>
     </p:spTree>
     <p:extLst>
       <p:ext uri="{BB962C8B-B14F-4D97-AF65-F5344CB8AC3E}">
         <p14:creationId xmlns:p14="http://schemas.microsoft.com/office/powerpoint/2010/main" val="1459251242"/>
+      </p:ext>
+    </p:extLst>
+  </p:cSld>
+  <p:clrMapOvr>
+    <a:masterClrMapping/>
+  </p:clrMapOvr>
+</p:sld>
+</file>
+
+<file path=ppt/slides/slide2.xml><?xml version="1.0" encoding="utf-8"?>
+<p:sld xmlns:a="http://schemas.openxmlformats.org/drawingml/2006/main" xmlns:r="http://schemas.openxmlformats.org/officeDocument/2006/relationships" xmlns:p="http://schemas.openxmlformats.org/presentationml/2006/main">
+  <p:cSld>
+    <p:spTree>
+      <p:nvGrpSpPr>
+        <p:cNvPr id="1" name=""/>
+        <p:cNvGrpSpPr/>
+        <p:nvPr/>
+      </p:nvGrpSpPr>
+      <p:grpSpPr>
+        <a:xfrm>
+          <a:off x="0" y="0"/>
+          <a:ext cx="0" cy="0"/>
+          <a:chOff x="0" y="0"/>
+          <a:chExt cx="0" cy="0"/>
+        </a:xfrm>
+      </p:grpSpPr>
+      <p:sp>
+        <p:nvSpPr>
+          <p:cNvPr id="4" name="八角形 3"/>
+          <p:cNvSpPr/>
+          <p:nvPr/>
+        </p:nvSpPr>
+        <p:spPr>
+          <a:xfrm>
+            <a:off x="340191" y="325478"/>
+            <a:ext cx="7606743" cy="989557"/>
+          </a:xfrm>
+          <a:prstGeom prst="octagon">
+            <a:avLst>
+              <a:gd name="adj" fmla="val 19162"/>
+            </a:avLst>
+          </a:prstGeom>
+          <a:solidFill>
+            <a:schemeClr val="bg1">
+              <a:lumMod val="75000"/>
+            </a:schemeClr>
+          </a:solidFill>
+          <a:ln w="76200">
+            <a:solidFill>
+              <a:schemeClr val="tx1">
+                <a:lumMod val="75000"/>
+                <a:lumOff val="25000"/>
+              </a:schemeClr>
+            </a:solidFill>
+          </a:ln>
+        </p:spPr>
+        <p:style>
+          <a:lnRef idx="2">
+            <a:schemeClr val="accent1">
+              <a:shade val="50000"/>
+            </a:schemeClr>
+          </a:lnRef>
+          <a:fillRef idx="1">
+            <a:schemeClr val="accent1"/>
+          </a:fillRef>
+          <a:effectRef idx="0">
+            <a:schemeClr val="accent1"/>
+          </a:effectRef>
+          <a:fontRef idx="minor">
+            <a:schemeClr val="lt1"/>
+          </a:fontRef>
+        </p:style>
+        <p:txBody>
+          <a:bodyPr rtlCol="0" anchor="ctr"/>
+          <a:lstStyle/>
+          <a:p>
+            <a:pPr algn="ctr"/>
+            <a:endParaRPr kumimoji="1" lang="ja-JP" altLang="en-US"/>
+          </a:p>
+        </p:txBody>
+      </p:sp>
+      <p:sp>
+        <p:nvSpPr>
+          <p:cNvPr id="5" name="八角形 4"/>
+          <p:cNvSpPr/>
+          <p:nvPr/>
+        </p:nvSpPr>
+        <p:spPr>
+          <a:xfrm>
+            <a:off x="598696" y="463164"/>
+            <a:ext cx="7089732" cy="714183"/>
+          </a:xfrm>
+          <a:prstGeom prst="octagon">
+            <a:avLst>
+              <a:gd name="adj" fmla="val 13472"/>
+            </a:avLst>
+          </a:prstGeom>
+          <a:solidFill>
+            <a:srgbClr val="FFFFFF">
+              <a:alpha val="69804"/>
+            </a:srgbClr>
+          </a:solidFill>
+          <a:ln w="76200">
+            <a:noFill/>
+          </a:ln>
+        </p:spPr>
+        <p:style>
+          <a:lnRef idx="2">
+            <a:schemeClr val="accent1">
+              <a:shade val="50000"/>
+            </a:schemeClr>
+          </a:lnRef>
+          <a:fillRef idx="1">
+            <a:schemeClr val="accent1"/>
+          </a:fillRef>
+          <a:effectRef idx="0">
+            <a:schemeClr val="accent1"/>
+          </a:effectRef>
+          <a:fontRef idx="minor">
+            <a:schemeClr val="lt1"/>
+          </a:fontRef>
+        </p:style>
+        <p:txBody>
+          <a:bodyPr rtlCol="0" anchor="ctr"/>
+          <a:lstStyle/>
+          <a:p>
+            <a:pPr algn="ctr"/>
+            <a:endParaRPr kumimoji="1" lang="ja-JP" altLang="en-US"/>
+          </a:p>
+        </p:txBody>
+      </p:sp>
+    </p:spTree>
+    <p:extLst>
+      <p:ext uri="{BB962C8B-B14F-4D97-AF65-F5344CB8AC3E}">
+        <p14:creationId xmlns:p14="http://schemas.microsoft.com/office/powerpoint/2010/main" val="1072780414"/>
       </p:ext>
     </p:extLst>
   </p:cSld>
